--- a/评审ppt/G06-SE2019春小组项目介绍-终.pptx
+++ b/评审ppt/G06-SE2019春小组项目介绍-终.pptx
@@ -290,7 +290,7 @@
           <a:p>
             <a:fld id="{0F9B84EA-7D68-4D60-9CB1-D50884785D1C}" type="datetimeFigureOut">
               <a:rPr lang="zh-CN" altLang="en-US" smtClean="0"/>
-              <a:t>2019/3/16</a:t>
+              <a:t>2019/3/20</a:t>
             </a:fld>
             <a:endParaRPr lang="zh-CN" altLang="en-US"/>
           </a:p>
@@ -450,7 +450,7 @@
           <a:p>
             <a:fld id="{0C4637C0-1F94-4FE6-A671-110DD2A13813}" type="datetimeFigureOut">
               <a:rPr lang="zh-CN" altLang="en-US" smtClean="0"/>
-              <a:t>2019/3/16</a:t>
+              <a:t>2019/3/20</a:t>
             </a:fld>
             <a:endParaRPr lang="zh-CN" altLang="en-US"/>
           </a:p>
